--- a/2018/notes-2018/assignment.pptx
+++ b/2018/notes-2018/assignment.pptx
@@ -154,10 +154,9 @@
           </a:lstStyle>
           <a:p>
             <a:r>
-              <a:rPr lang="en-US" smtClean="0"/>
+              <a:rPr lang="en-US"/>
               <a:t>Click to edit Master title style</a:t>
             </a:r>
-            <a:endParaRPr lang="en-US"/>
           </a:p>
         </p:txBody>
       </p:sp>
@@ -219,10 +218,9 @@
           </a:lstStyle>
           <a:p>
             <a:r>
-              <a:rPr lang="en-US" smtClean="0"/>
+              <a:rPr lang="en-US"/>
               <a:t>Click to edit Master subtitle style</a:t>
             </a:r>
-            <a:endParaRPr lang="en-US"/>
           </a:p>
         </p:txBody>
       </p:sp>
@@ -243,7 +241,7 @@
           <a:p>
             <a:fld id="{C8769DE8-91D0-403F-8A53-9107721BCF10}" type="datetimeFigureOut">
               <a:rPr lang="en-US" smtClean="0"/>
-              <a:t>12/7/2017</a:t>
+              <a:t>11/17/2018</a:t>
             </a:fld>
             <a:endParaRPr lang="en-US"/>
           </a:p>
@@ -337,10 +335,9 @@
           <a:lstStyle/>
           <a:p>
             <a:r>
-              <a:rPr lang="en-US" smtClean="0"/>
+              <a:rPr lang="en-US"/>
               <a:t>Click to edit Master title style</a:t>
             </a:r>
-            <a:endParaRPr lang="en-US"/>
           </a:p>
         </p:txBody>
       </p:sp>
@@ -361,38 +358,37 @@
           <a:p>
             <a:pPr lvl="0"/>
             <a:r>
-              <a:rPr lang="en-US" smtClean="0"/>
+              <a:rPr lang="en-US"/>
               <a:t>Edit Master text styles</a:t>
             </a:r>
           </a:p>
           <a:p>
             <a:pPr lvl="1"/>
             <a:r>
-              <a:rPr lang="en-US" smtClean="0"/>
+              <a:rPr lang="en-US"/>
               <a:t>Second level</a:t>
             </a:r>
           </a:p>
           <a:p>
             <a:pPr lvl="2"/>
             <a:r>
-              <a:rPr lang="en-US" smtClean="0"/>
+              <a:rPr lang="en-US"/>
               <a:t>Third level</a:t>
             </a:r>
           </a:p>
           <a:p>
             <a:pPr lvl="3"/>
             <a:r>
-              <a:rPr lang="en-US" smtClean="0"/>
+              <a:rPr lang="en-US"/>
               <a:t>Fourth level</a:t>
             </a:r>
           </a:p>
           <a:p>
             <a:pPr lvl="4"/>
             <a:r>
-              <a:rPr lang="en-US" smtClean="0"/>
+              <a:rPr lang="en-US"/>
               <a:t>Fifth level</a:t>
             </a:r>
-            <a:endParaRPr lang="en-US"/>
           </a:p>
         </p:txBody>
       </p:sp>
@@ -413,7 +409,7 @@
           <a:p>
             <a:fld id="{C8769DE8-91D0-403F-8A53-9107721BCF10}" type="datetimeFigureOut">
               <a:rPr lang="en-US" smtClean="0"/>
-              <a:t>12/7/2017</a:t>
+              <a:t>11/17/2018</a:t>
             </a:fld>
             <a:endParaRPr lang="en-US"/>
           </a:p>
@@ -512,10 +508,9 @@
           <a:lstStyle/>
           <a:p>
             <a:r>
-              <a:rPr lang="en-US" smtClean="0"/>
+              <a:rPr lang="en-US"/>
               <a:t>Click to edit Master title style</a:t>
             </a:r>
-            <a:endParaRPr lang="en-US"/>
           </a:p>
         </p:txBody>
       </p:sp>
@@ -541,38 +536,37 @@
           <a:p>
             <a:pPr lvl="0"/>
             <a:r>
-              <a:rPr lang="en-US" smtClean="0"/>
+              <a:rPr lang="en-US"/>
               <a:t>Edit Master text styles</a:t>
             </a:r>
           </a:p>
           <a:p>
             <a:pPr lvl="1"/>
             <a:r>
-              <a:rPr lang="en-US" smtClean="0"/>
+              <a:rPr lang="en-US"/>
               <a:t>Second level</a:t>
             </a:r>
           </a:p>
           <a:p>
             <a:pPr lvl="2"/>
             <a:r>
-              <a:rPr lang="en-US" smtClean="0"/>
+              <a:rPr lang="en-US"/>
               <a:t>Third level</a:t>
             </a:r>
           </a:p>
           <a:p>
             <a:pPr lvl="3"/>
             <a:r>
-              <a:rPr lang="en-US" smtClean="0"/>
+              <a:rPr lang="en-US"/>
               <a:t>Fourth level</a:t>
             </a:r>
           </a:p>
           <a:p>
             <a:pPr lvl="4"/>
             <a:r>
-              <a:rPr lang="en-US" smtClean="0"/>
+              <a:rPr lang="en-US"/>
               <a:t>Fifth level</a:t>
             </a:r>
-            <a:endParaRPr lang="en-US"/>
           </a:p>
         </p:txBody>
       </p:sp>
@@ -593,7 +587,7 @@
           <a:p>
             <a:fld id="{C8769DE8-91D0-403F-8A53-9107721BCF10}" type="datetimeFigureOut">
               <a:rPr lang="en-US" smtClean="0"/>
-              <a:t>12/7/2017</a:t>
+              <a:t>11/17/2018</a:t>
             </a:fld>
             <a:endParaRPr lang="en-US"/>
           </a:p>
@@ -687,10 +681,9 @@
           <a:lstStyle/>
           <a:p>
             <a:r>
-              <a:rPr lang="en-US" smtClean="0"/>
+              <a:rPr lang="en-US"/>
               <a:t>Click to edit Master title style</a:t>
             </a:r>
-            <a:endParaRPr lang="en-US"/>
           </a:p>
         </p:txBody>
       </p:sp>
@@ -711,38 +704,37 @@
           <a:p>
             <a:pPr lvl="0"/>
             <a:r>
-              <a:rPr lang="en-US" smtClean="0"/>
+              <a:rPr lang="en-US"/>
               <a:t>Edit Master text styles</a:t>
             </a:r>
           </a:p>
           <a:p>
             <a:pPr lvl="1"/>
             <a:r>
-              <a:rPr lang="en-US" smtClean="0"/>
+              <a:rPr lang="en-US"/>
               <a:t>Second level</a:t>
             </a:r>
           </a:p>
           <a:p>
             <a:pPr lvl="2"/>
             <a:r>
-              <a:rPr lang="en-US" smtClean="0"/>
+              <a:rPr lang="en-US"/>
               <a:t>Third level</a:t>
             </a:r>
           </a:p>
           <a:p>
             <a:pPr lvl="3"/>
             <a:r>
-              <a:rPr lang="en-US" smtClean="0"/>
+              <a:rPr lang="en-US"/>
               <a:t>Fourth level</a:t>
             </a:r>
           </a:p>
           <a:p>
             <a:pPr lvl="4"/>
             <a:r>
-              <a:rPr lang="en-US" smtClean="0"/>
+              <a:rPr lang="en-US"/>
               <a:t>Fifth level</a:t>
             </a:r>
-            <a:endParaRPr lang="en-US"/>
           </a:p>
         </p:txBody>
       </p:sp>
@@ -763,7 +755,7 @@
           <a:p>
             <a:fld id="{C8769DE8-91D0-403F-8A53-9107721BCF10}" type="datetimeFigureOut">
               <a:rPr lang="en-US" smtClean="0"/>
-              <a:t>12/7/2017</a:t>
+              <a:t>11/17/2018</a:t>
             </a:fld>
             <a:endParaRPr lang="en-US"/>
           </a:p>
@@ -866,10 +858,9 @@
           </a:lstStyle>
           <a:p>
             <a:r>
-              <a:rPr lang="en-US" smtClean="0"/>
+              <a:rPr lang="en-US"/>
               <a:t>Click to edit Master title style</a:t>
             </a:r>
-            <a:endParaRPr lang="en-US"/>
           </a:p>
         </p:txBody>
       </p:sp>
@@ -986,7 +977,7 @@
           <a:p>
             <a:pPr lvl="0"/>
             <a:r>
-              <a:rPr lang="en-US" smtClean="0"/>
+              <a:rPr lang="en-US"/>
               <a:t>Edit Master text styles</a:t>
             </a:r>
           </a:p>
@@ -1009,7 +1000,7 @@
           <a:p>
             <a:fld id="{C8769DE8-91D0-403F-8A53-9107721BCF10}" type="datetimeFigureOut">
               <a:rPr lang="en-US" smtClean="0"/>
-              <a:t>12/7/2017</a:t>
+              <a:t>11/17/2018</a:t>
             </a:fld>
             <a:endParaRPr lang="en-US"/>
           </a:p>
@@ -1103,10 +1094,9 @@
           <a:lstStyle/>
           <a:p>
             <a:r>
-              <a:rPr lang="en-US" smtClean="0"/>
+              <a:rPr lang="en-US"/>
               <a:t>Click to edit Master title style</a:t>
             </a:r>
-            <a:endParaRPr lang="en-US"/>
           </a:p>
         </p:txBody>
       </p:sp>
@@ -1132,38 +1122,37 @@
           <a:p>
             <a:pPr lvl="0"/>
             <a:r>
-              <a:rPr lang="en-US" smtClean="0"/>
+              <a:rPr lang="en-US"/>
               <a:t>Edit Master text styles</a:t>
             </a:r>
           </a:p>
           <a:p>
             <a:pPr lvl="1"/>
             <a:r>
-              <a:rPr lang="en-US" smtClean="0"/>
+              <a:rPr lang="en-US"/>
               <a:t>Second level</a:t>
             </a:r>
           </a:p>
           <a:p>
             <a:pPr lvl="2"/>
             <a:r>
-              <a:rPr lang="en-US" smtClean="0"/>
+              <a:rPr lang="en-US"/>
               <a:t>Third level</a:t>
             </a:r>
           </a:p>
           <a:p>
             <a:pPr lvl="3"/>
             <a:r>
-              <a:rPr lang="en-US" smtClean="0"/>
+              <a:rPr lang="en-US"/>
               <a:t>Fourth level</a:t>
             </a:r>
           </a:p>
           <a:p>
             <a:pPr lvl="4"/>
             <a:r>
-              <a:rPr lang="en-US" smtClean="0"/>
+              <a:rPr lang="en-US"/>
               <a:t>Fifth level</a:t>
             </a:r>
-            <a:endParaRPr lang="en-US"/>
           </a:p>
         </p:txBody>
       </p:sp>
@@ -1189,38 +1178,37 @@
           <a:p>
             <a:pPr lvl="0"/>
             <a:r>
-              <a:rPr lang="en-US" smtClean="0"/>
+              <a:rPr lang="en-US"/>
               <a:t>Edit Master text styles</a:t>
             </a:r>
           </a:p>
           <a:p>
             <a:pPr lvl="1"/>
             <a:r>
-              <a:rPr lang="en-US" smtClean="0"/>
+              <a:rPr lang="en-US"/>
               <a:t>Second level</a:t>
             </a:r>
           </a:p>
           <a:p>
             <a:pPr lvl="2"/>
             <a:r>
-              <a:rPr lang="en-US" smtClean="0"/>
+              <a:rPr lang="en-US"/>
               <a:t>Third level</a:t>
             </a:r>
           </a:p>
           <a:p>
             <a:pPr lvl="3"/>
             <a:r>
-              <a:rPr lang="en-US" smtClean="0"/>
+              <a:rPr lang="en-US"/>
               <a:t>Fourth level</a:t>
             </a:r>
           </a:p>
           <a:p>
             <a:pPr lvl="4"/>
             <a:r>
-              <a:rPr lang="en-US" smtClean="0"/>
+              <a:rPr lang="en-US"/>
               <a:t>Fifth level</a:t>
             </a:r>
-            <a:endParaRPr lang="en-US"/>
           </a:p>
         </p:txBody>
       </p:sp>
@@ -1241,7 +1229,7 @@
           <a:p>
             <a:fld id="{C8769DE8-91D0-403F-8A53-9107721BCF10}" type="datetimeFigureOut">
               <a:rPr lang="en-US" smtClean="0"/>
-              <a:t>12/7/2017</a:t>
+              <a:t>11/17/2018</a:t>
             </a:fld>
             <a:endParaRPr lang="en-US"/>
           </a:p>
@@ -1340,10 +1328,9 @@
           <a:lstStyle/>
           <a:p>
             <a:r>
-              <a:rPr lang="en-US" smtClean="0"/>
+              <a:rPr lang="en-US"/>
               <a:t>Click to edit Master title style</a:t>
             </a:r>
-            <a:endParaRPr lang="en-US"/>
           </a:p>
         </p:txBody>
       </p:sp>
@@ -1406,7 +1393,7 @@
           <a:p>
             <a:pPr lvl="0"/>
             <a:r>
-              <a:rPr lang="en-US" smtClean="0"/>
+              <a:rPr lang="en-US"/>
               <a:t>Edit Master text styles</a:t>
             </a:r>
           </a:p>
@@ -1434,38 +1421,37 @@
           <a:p>
             <a:pPr lvl="0"/>
             <a:r>
-              <a:rPr lang="en-US" smtClean="0"/>
+              <a:rPr lang="en-US"/>
               <a:t>Edit Master text styles</a:t>
             </a:r>
           </a:p>
           <a:p>
             <a:pPr lvl="1"/>
             <a:r>
-              <a:rPr lang="en-US" smtClean="0"/>
+              <a:rPr lang="en-US"/>
               <a:t>Second level</a:t>
             </a:r>
           </a:p>
           <a:p>
             <a:pPr lvl="2"/>
             <a:r>
-              <a:rPr lang="en-US" smtClean="0"/>
+              <a:rPr lang="en-US"/>
               <a:t>Third level</a:t>
             </a:r>
           </a:p>
           <a:p>
             <a:pPr lvl="3"/>
             <a:r>
-              <a:rPr lang="en-US" smtClean="0"/>
+              <a:rPr lang="en-US"/>
               <a:t>Fourth level</a:t>
             </a:r>
           </a:p>
           <a:p>
             <a:pPr lvl="4"/>
             <a:r>
-              <a:rPr lang="en-US" smtClean="0"/>
+              <a:rPr lang="en-US"/>
               <a:t>Fifth level</a:t>
             </a:r>
-            <a:endParaRPr lang="en-US"/>
           </a:p>
         </p:txBody>
       </p:sp>
@@ -1528,7 +1514,7 @@
           <a:p>
             <a:pPr lvl="0"/>
             <a:r>
-              <a:rPr lang="en-US" smtClean="0"/>
+              <a:rPr lang="en-US"/>
               <a:t>Edit Master text styles</a:t>
             </a:r>
           </a:p>
@@ -1556,38 +1542,37 @@
           <a:p>
             <a:pPr lvl="0"/>
             <a:r>
-              <a:rPr lang="en-US" smtClean="0"/>
+              <a:rPr lang="en-US"/>
               <a:t>Edit Master text styles</a:t>
             </a:r>
           </a:p>
           <a:p>
             <a:pPr lvl="1"/>
             <a:r>
-              <a:rPr lang="en-US" smtClean="0"/>
+              <a:rPr lang="en-US"/>
               <a:t>Second level</a:t>
             </a:r>
           </a:p>
           <a:p>
             <a:pPr lvl="2"/>
             <a:r>
-              <a:rPr lang="en-US" smtClean="0"/>
+              <a:rPr lang="en-US"/>
               <a:t>Third level</a:t>
             </a:r>
           </a:p>
           <a:p>
             <a:pPr lvl="3"/>
             <a:r>
-              <a:rPr lang="en-US" smtClean="0"/>
+              <a:rPr lang="en-US"/>
               <a:t>Fourth level</a:t>
             </a:r>
           </a:p>
           <a:p>
             <a:pPr lvl="4"/>
             <a:r>
-              <a:rPr lang="en-US" smtClean="0"/>
+              <a:rPr lang="en-US"/>
               <a:t>Fifth level</a:t>
             </a:r>
-            <a:endParaRPr lang="en-US"/>
           </a:p>
         </p:txBody>
       </p:sp>
@@ -1608,7 +1593,7 @@
           <a:p>
             <a:fld id="{C8769DE8-91D0-403F-8A53-9107721BCF10}" type="datetimeFigureOut">
               <a:rPr lang="en-US" smtClean="0"/>
-              <a:t>12/7/2017</a:t>
+              <a:t>11/17/2018</a:t>
             </a:fld>
             <a:endParaRPr lang="en-US"/>
           </a:p>
@@ -1702,10 +1687,9 @@
           <a:lstStyle/>
           <a:p>
             <a:r>
-              <a:rPr lang="en-US" smtClean="0"/>
+              <a:rPr lang="en-US"/>
               <a:t>Click to edit Master title style</a:t>
             </a:r>
-            <a:endParaRPr lang="en-US"/>
           </a:p>
         </p:txBody>
       </p:sp>
@@ -1726,7 +1710,7 @@
           <a:p>
             <a:fld id="{C8769DE8-91D0-403F-8A53-9107721BCF10}" type="datetimeFigureOut">
               <a:rPr lang="en-US" smtClean="0"/>
-              <a:t>12/7/2017</a:t>
+              <a:t>11/17/2018</a:t>
             </a:fld>
             <a:endParaRPr lang="en-US"/>
           </a:p>
@@ -1821,7 +1805,7 @@
           <a:p>
             <a:fld id="{C8769DE8-91D0-403F-8A53-9107721BCF10}" type="datetimeFigureOut">
               <a:rPr lang="en-US" smtClean="0"/>
-              <a:t>12/7/2017</a:t>
+              <a:t>11/17/2018</a:t>
             </a:fld>
             <a:endParaRPr lang="en-US"/>
           </a:p>
@@ -1924,10 +1908,9 @@
           </a:lstStyle>
           <a:p>
             <a:r>
-              <a:rPr lang="en-US" smtClean="0"/>
+              <a:rPr lang="en-US"/>
               <a:t>Click to edit Master title style</a:t>
             </a:r>
-            <a:endParaRPr lang="en-US"/>
           </a:p>
         </p:txBody>
       </p:sp>
@@ -1981,38 +1964,37 @@
           <a:p>
             <a:pPr lvl="0"/>
             <a:r>
-              <a:rPr lang="en-US" smtClean="0"/>
+              <a:rPr lang="en-US"/>
               <a:t>Edit Master text styles</a:t>
             </a:r>
           </a:p>
           <a:p>
             <a:pPr lvl="1"/>
             <a:r>
-              <a:rPr lang="en-US" smtClean="0"/>
+              <a:rPr lang="en-US"/>
               <a:t>Second level</a:t>
             </a:r>
           </a:p>
           <a:p>
             <a:pPr lvl="2"/>
             <a:r>
-              <a:rPr lang="en-US" smtClean="0"/>
+              <a:rPr lang="en-US"/>
               <a:t>Third level</a:t>
             </a:r>
           </a:p>
           <a:p>
             <a:pPr lvl="3"/>
             <a:r>
-              <a:rPr lang="en-US" smtClean="0"/>
+              <a:rPr lang="en-US"/>
               <a:t>Fourth level</a:t>
             </a:r>
           </a:p>
           <a:p>
             <a:pPr lvl="4"/>
             <a:r>
-              <a:rPr lang="en-US" smtClean="0"/>
+              <a:rPr lang="en-US"/>
               <a:t>Fifth level</a:t>
             </a:r>
-            <a:endParaRPr lang="en-US"/>
           </a:p>
         </p:txBody>
       </p:sp>
@@ -2075,7 +2057,7 @@
           <a:p>
             <a:pPr lvl="0"/>
             <a:r>
-              <a:rPr lang="en-US" smtClean="0"/>
+              <a:rPr lang="en-US"/>
               <a:t>Edit Master text styles</a:t>
             </a:r>
           </a:p>
@@ -2098,7 +2080,7 @@
           <a:p>
             <a:fld id="{C8769DE8-91D0-403F-8A53-9107721BCF10}" type="datetimeFigureOut">
               <a:rPr lang="en-US" smtClean="0"/>
-              <a:t>12/7/2017</a:t>
+              <a:t>11/17/2018</a:t>
             </a:fld>
             <a:endParaRPr lang="en-US"/>
           </a:p>
@@ -2201,10 +2183,9 @@
           </a:lstStyle>
           <a:p>
             <a:r>
-              <a:rPr lang="en-US" smtClean="0"/>
+              <a:rPr lang="en-US"/>
               <a:t>Click to edit Master title style</a:t>
             </a:r>
-            <a:endParaRPr lang="en-US"/>
           </a:p>
         </p:txBody>
       </p:sp>
@@ -2328,7 +2309,7 @@
           <a:p>
             <a:pPr lvl="0"/>
             <a:r>
-              <a:rPr lang="en-US" smtClean="0"/>
+              <a:rPr lang="en-US"/>
               <a:t>Edit Master text styles</a:t>
             </a:r>
           </a:p>
@@ -2351,7 +2332,7 @@
           <a:p>
             <a:fld id="{C8769DE8-91D0-403F-8A53-9107721BCF10}" type="datetimeFigureOut">
               <a:rPr lang="en-US" smtClean="0"/>
-              <a:t>12/7/2017</a:t>
+              <a:t>11/17/2018</a:t>
             </a:fld>
             <a:endParaRPr lang="en-US"/>
           </a:p>
@@ -2460,10 +2441,9 @@
           <a:lstStyle/>
           <a:p>
             <a:r>
-              <a:rPr lang="en-US" smtClean="0"/>
+              <a:rPr lang="en-US"/>
               <a:t>Click to edit Master title style</a:t>
             </a:r>
-            <a:endParaRPr lang="en-US"/>
           </a:p>
         </p:txBody>
       </p:sp>
@@ -2494,38 +2474,37 @@
           <a:p>
             <a:pPr lvl="0"/>
             <a:r>
-              <a:rPr lang="en-US" smtClean="0"/>
+              <a:rPr lang="en-US"/>
               <a:t>Edit Master text styles</a:t>
             </a:r>
           </a:p>
           <a:p>
             <a:pPr lvl="1"/>
             <a:r>
-              <a:rPr lang="en-US" smtClean="0"/>
+              <a:rPr lang="en-US"/>
               <a:t>Second level</a:t>
             </a:r>
           </a:p>
           <a:p>
             <a:pPr lvl="2"/>
             <a:r>
-              <a:rPr lang="en-US" smtClean="0"/>
+              <a:rPr lang="en-US"/>
               <a:t>Third level</a:t>
             </a:r>
           </a:p>
           <a:p>
             <a:pPr lvl="3"/>
             <a:r>
-              <a:rPr lang="en-US" smtClean="0"/>
+              <a:rPr lang="en-US"/>
               <a:t>Fourth level</a:t>
             </a:r>
           </a:p>
           <a:p>
             <a:pPr lvl="4"/>
             <a:r>
-              <a:rPr lang="en-US" smtClean="0"/>
+              <a:rPr lang="en-US"/>
               <a:t>Fifth level</a:t>
             </a:r>
-            <a:endParaRPr lang="en-US"/>
           </a:p>
         </p:txBody>
       </p:sp>
@@ -2564,7 +2543,7 @@
           <a:p>
             <a:fld id="{C8769DE8-91D0-403F-8A53-9107721BCF10}" type="datetimeFigureOut">
               <a:rPr lang="en-US" smtClean="0"/>
-              <a:t>12/7/2017</a:t>
+              <a:t>11/17/2018</a:t>
             </a:fld>
             <a:endParaRPr lang="en-US"/>
           </a:p>
@@ -2991,86 +2970,55 @@
           </a:bodyPr>
           <a:lstStyle/>
           <a:p>
-            <a:r>
-              <a:rPr lang="en-US" dirty="0" smtClean="0"/>
-              <a:t/>
-            </a:r>
-            <a:br>
-              <a:rPr lang="en-US" dirty="0" smtClean="0"/>
-            </a:br>
-            <a:r>
-              <a:rPr lang="en-US" dirty="0" smtClean="0"/>
-              <a:t>Share your directory:</a:t>
-            </a:r>
-            <a:br>
-              <a:rPr lang="en-US" dirty="0" smtClean="0"/>
-            </a:br>
-            <a:r>
-              <a:rPr lang="en-US" dirty="0" smtClean="0"/>
-              <a:t>FE8828-Yourname</a:t>
-            </a:r>
-            <a:r>
-              <a:rPr lang="en-US" dirty="0"/>
-              <a:t/>
-            </a:r>
             <a:br>
               <a:rPr lang="en-US" dirty="0"/>
             </a:br>
             <a:r>
-              <a:rPr lang="en-US" smtClean="0"/>
+              <a:rPr lang="en-US" dirty="0"/>
+              <a:t>Share your directory:</a:t>
+            </a:r>
+            <a:br>
+              <a:rPr lang="en-US" dirty="0"/>
+            </a:br>
+            <a:r>
+              <a:rPr lang="en-US" dirty="0"/>
+              <a:t>FE8828-Yourname</a:t>
+            </a:r>
+            <a:br>
+              <a:rPr lang="en-US" dirty="0"/>
+            </a:br>
+            <a:r>
+              <a:rPr lang="en-US" dirty="0"/>
               <a:t>Dropbox:</a:t>
             </a:r>
             <a:br>
-              <a:rPr lang="en-US" smtClean="0"/>
+              <a:rPr lang="en-US" dirty="0"/>
             </a:br>
             <a:r>
-              <a:rPr lang="en-US" smtClean="0">
+              <a:rPr lang="en-US" dirty="0">
                 <a:hlinkClick r:id="rId2"/>
               </a:rPr>
               <a:t>leafyoung@gmail.com</a:t>
             </a:r>
-            <a:r>
-              <a:rPr lang="en-US" smtClean="0"/>
-              <a:t/>
-            </a:r>
             <a:br>
-              <a:rPr lang="en-US" smtClean="0"/>
+              <a:rPr lang="en-US" dirty="0"/>
             </a:br>
             <a:r>
-              <a:rPr lang="en-US" smtClean="0"/>
-              <a:t>Google </a:t>
-            </a:r>
-            <a:r>
-              <a:rPr lang="en-US" dirty="0" smtClean="0"/>
-              <a:t>Drive:</a:t>
+              <a:rPr lang="en-US" dirty="0"/>
+              <a:t>Google Drive:</a:t>
             </a:r>
             <a:br>
-              <a:rPr lang="en-US" dirty="0" smtClean="0"/>
+              <a:rPr lang="en-US" dirty="0"/>
             </a:br>
             <a:r>
-              <a:rPr lang="en-US" dirty="0" smtClean="0">
+              <a:rPr lang="en-US" dirty="0">
                 <a:hlinkClick r:id="rId2"/>
               </a:rPr>
               <a:t>leafyoung@gmail.com</a:t>
             </a:r>
-            <a:r>
-              <a:rPr lang="en-US" dirty="0" smtClean="0"/>
-              <a:t/>
-            </a:r>
             <a:br>
-              <a:rPr lang="en-US" dirty="0" smtClean="0"/>
+              <a:rPr lang="en-US"/>
             </a:br>
-            <a:r>
-              <a:rPr lang="en-US" dirty="0" smtClean="0"/>
-              <a:t/>
-            </a:r>
-            <a:br>
-              <a:rPr lang="en-US" dirty="0" smtClean="0"/>
-            </a:br>
-            <a:r>
-              <a:rPr lang="en-US" dirty="0" smtClean="0"/>
-              <a:t>Hive: TR+29 3:00-6:00pm</a:t>
-            </a:r>
             <a:endParaRPr lang="en-US" dirty="0"/>
           </a:p>
         </p:txBody>
